--- a/events/database_day/2016/slides/causality_BD.pptx
+++ b/events/database_day/2016/slides/causality_BD.pptx
@@ -5,10 +5,10 @@
     <p:sldMasterId id="2147483648" r:id="rId1"/>
   </p:sldMasterIdLst>
   <p:notesMasterIdLst>
-    <p:notesMasterId r:id="rId17"/>
+    <p:notesMasterId r:id="rId16"/>
   </p:notesMasterIdLst>
   <p:handoutMasterIdLst>
-    <p:handoutMasterId r:id="rId18"/>
+    <p:handoutMasterId r:id="rId17"/>
   </p:handoutMasterIdLst>
   <p:sldIdLst>
     <p:sldId id="256" r:id="rId2"/>
@@ -24,8 +24,7 @@
     <p:sldId id="293" r:id="rId12"/>
     <p:sldId id="282" r:id="rId13"/>
     <p:sldId id="283" r:id="rId14"/>
-    <p:sldId id="296" r:id="rId15"/>
-    <p:sldId id="290" r:id="rId16"/>
+    <p:sldId id="290" r:id="rId15"/>
   </p:sldIdLst>
   <p:sldSz cx="9144000" cy="6858000" type="screen4x3"/>
   <p:notesSz cx="6858000" cy="9144000"/>
@@ -1145,7 +1144,7 @@
           <a:bodyPr/>
           <a:lstStyle/>
           <a:p>
-            <a:endParaRPr lang="en-US" dirty="0"/>
+            <a:endParaRPr lang="en-US"/>
           </a:p>
         </p:txBody>
       </p:sp>
@@ -1167,90 +1166,6 @@
             <a:fld id="{D4CB4645-C9A9-4650-BE78-634AF679D0D3}" type="slidenum">
               <a:rPr lang="en-US" smtClean="0"/>
               <a:t>14</a:t>
-            </a:fld>
-            <a:endParaRPr lang="en-US"/>
-          </a:p>
-        </p:txBody>
-      </p:sp>
-    </p:spTree>
-    <p:extLst>
-      <p:ext uri="{BB962C8B-B14F-4D97-AF65-F5344CB8AC3E}">
-        <p14:creationId xmlns:p14="http://schemas.microsoft.com/office/powerpoint/2010/main" val="1026823536"/>
-      </p:ext>
-    </p:extLst>
-  </p:cSld>
-  <p:clrMapOvr>
-    <a:masterClrMapping/>
-  </p:clrMapOvr>
-</p:notes>
-</file>
-
-<file path=ppt/notesSlides/notesSlide15.xml><?xml version="1.0" encoding="utf-8"?>
-<p:notes xmlns:a="http://schemas.openxmlformats.org/drawingml/2006/main" xmlns:r="http://schemas.openxmlformats.org/officeDocument/2006/relationships" xmlns:p="http://schemas.openxmlformats.org/presentationml/2006/main">
-  <p:cSld>
-    <p:spTree>
-      <p:nvGrpSpPr>
-        <p:cNvPr id="1" name=""/>
-        <p:cNvGrpSpPr/>
-        <p:nvPr/>
-      </p:nvGrpSpPr>
-      <p:grpSpPr>
-        <a:xfrm>
-          <a:off x="0" y="0"/>
-          <a:ext cx="0" cy="0"/>
-          <a:chOff x="0" y="0"/>
-          <a:chExt cx="0" cy="0"/>
-        </a:xfrm>
-      </p:grpSpPr>
-      <p:sp>
-        <p:nvSpPr>
-          <p:cNvPr id="2" name="Slide Image Placeholder 1"/>
-          <p:cNvSpPr>
-            <a:spLocks noGrp="1" noRot="1" noChangeAspect="1"/>
-          </p:cNvSpPr>
-          <p:nvPr>
-            <p:ph type="sldImg"/>
-          </p:nvPr>
-        </p:nvSpPr>
-        <p:spPr/>
-      </p:sp>
-      <p:sp>
-        <p:nvSpPr>
-          <p:cNvPr id="3" name="Notes Placeholder 2"/>
-          <p:cNvSpPr>
-            <a:spLocks noGrp="1"/>
-          </p:cNvSpPr>
-          <p:nvPr>
-            <p:ph type="body" idx="1"/>
-          </p:nvPr>
-        </p:nvSpPr>
-        <p:spPr/>
-        <p:txBody>
-          <a:bodyPr/>
-          <a:lstStyle/>
-          <a:p>
-            <a:endParaRPr lang="en-US"/>
-          </a:p>
-        </p:txBody>
-      </p:sp>
-      <p:sp>
-        <p:nvSpPr>
-          <p:cNvPr id="4" name="Slide Number Placeholder 3"/>
-          <p:cNvSpPr>
-            <a:spLocks noGrp="1"/>
-          </p:cNvSpPr>
-          <p:nvPr>
-            <p:ph type="sldNum" sz="quarter" idx="10"/>
-          </p:nvPr>
-        </p:nvSpPr>
-        <p:spPr/>
-        <p:txBody>
-          <a:bodyPr/>
-          <a:lstStyle/>
-          <a:p>
-            <a:fld id="{D4CB4645-C9A9-4650-BE78-634AF679D0D3}" type="slidenum">
-              <a:rPr lang="en-US" smtClean="0"/>
-              <a:t>15</a:t>
             </a:fld>
             <a:endParaRPr lang="en-US"/>
           </a:p>
@@ -7461,12 +7376,8 @@
               <a:t>Start </a:t>
             </a:r>
             <a:r>
-              <a:rPr lang="en-US" dirty="0" err="1" smtClean="0"/>
-              <a:t>prubing</a:t>
-            </a:r>
-            <a:r>
               <a:rPr lang="en-US" dirty="0" smtClean="0"/>
-              <a:t> </a:t>
+              <a:t>pruning </a:t>
             </a:r>
             <a:r>
               <a:rPr lang="en-US" dirty="0" err="1" smtClean="0"/>
@@ -7701,8 +7612,8 @@
           <a:chExt cx="0" cy="0"/>
         </a:xfrm>
       </p:grpSpPr>
-      <mc:AlternateContent xmlns:mc="http://schemas.openxmlformats.org/markup-compatibility/2006">
-        <mc:Choice xmlns:a14="http://schemas.microsoft.com/office/drawing/2010/main" Requires="a14">
+      <mc:AlternateContent xmlns:mc="http://schemas.openxmlformats.org/markup-compatibility/2006" xmlns:a14="http://schemas.microsoft.com/office/drawing/2010/main">
+        <mc:Choice Requires="a14">
           <p:sp>
             <p:nvSpPr>
               <p:cNvPr id="2" name="Title 1"/>
@@ -7758,7 +7669,7 @@
             </p:txBody>
           </p:sp>
         </mc:Choice>
-        <mc:Fallback>
+        <mc:Fallback xmlns="">
           <p:sp>
             <p:nvSpPr>
               <p:cNvPr id="2" name="Title 1"/>
@@ -11111,12 +11022,12 @@
               <a:t>We can </a:t>
             </a:r>
             <a:r>
-              <a:rPr lang="en-US" dirty="0" err="1" smtClean="0"/>
-              <a:t>perfum</a:t>
-            </a:r>
-            <a:r>
               <a:rPr lang="en-US" dirty="0" smtClean="0"/>
-              <a:t> semi-join reduction</a:t>
+              <a:t>perform semi-join </a:t>
+            </a:r>
+            <a:r>
+              <a:rPr lang="en-US" dirty="0" smtClean="0"/>
+              <a:t>reduction</a:t>
             </a:r>
             <a:endParaRPr lang="en-US" dirty="0"/>
           </a:p>
@@ -12377,11 +12288,19 @@
             <a:pPr lvl="3"/>
             <a:r>
               <a:rPr lang="en-US" sz="1600" dirty="0" smtClean="0"/>
-              <a:t>Decompose Data into flight and </a:t>
-            </a:r>
-            <a:r>
-              <a:rPr lang="en-US" sz="1600" smtClean="0"/>
-              <a:t>weather data</a:t>
+              <a:t>Decompose </a:t>
+            </a:r>
+            <a:r>
+              <a:rPr lang="en-US" sz="1600" dirty="0" smtClean="0"/>
+              <a:t>data </a:t>
+            </a:r>
+            <a:r>
+              <a:rPr lang="en-US" sz="1600" dirty="0" smtClean="0"/>
+              <a:t>into flight and weather </a:t>
+            </a:r>
+            <a:r>
+              <a:rPr lang="en-US" sz="1600" dirty="0" smtClean="0"/>
+              <a:t>tables</a:t>
             </a:r>
             <a:endParaRPr lang="en-US" dirty="0">
               <a:solidFill>
@@ -12457,7 +12376,11 @@
             <a:pPr lvl="3"/>
             <a:r>
               <a:rPr lang="en-US" sz="1600" dirty="0" smtClean="0"/>
-              <a:t>Filter weather data </a:t>
+              <a:t>Filter weather </a:t>
+            </a:r>
+            <a:r>
+              <a:rPr lang="en-US" sz="1600" dirty="0" smtClean="0"/>
+              <a:t>table </a:t>
             </a:r>
             <a:r>
               <a:rPr lang="en-US" sz="1600" dirty="0" err="1" smtClean="0"/>
@@ -12465,7 +12388,15 @@
             </a:r>
             <a:r>
               <a:rPr lang="en-US" sz="1600" dirty="0" smtClean="0"/>
-              <a:t>. A weather treatment e.g., Low visibility </a:t>
+              <a:t>. </a:t>
+            </a:r>
+            <a:r>
+              <a:rPr lang="en-US" sz="1600" dirty="0" smtClean="0"/>
+              <a:t>a treatment </a:t>
+            </a:r>
+            <a:r>
+              <a:rPr lang="en-US" sz="1600" dirty="0" smtClean="0"/>
+              <a:t>e.g., Low visibility </a:t>
             </a:r>
             <a:endParaRPr lang="en-US" dirty="0">
               <a:solidFill>
@@ -12583,7 +12514,15 @@
             <a:pPr lvl="3"/>
             <a:r>
               <a:rPr lang="en-US" sz="1600" dirty="0" smtClean="0"/>
-              <a:t>Semi-join with the flight data</a:t>
+              <a:t>Semi-join the result </a:t>
+            </a:r>
+            <a:r>
+              <a:rPr lang="en-US" sz="1600" dirty="0" smtClean="0"/>
+              <a:t>with the flight </a:t>
+            </a:r>
+            <a:r>
+              <a:rPr lang="en-US" sz="1600" dirty="0" smtClean="0"/>
+              <a:t>table</a:t>
             </a:r>
             <a:endParaRPr lang="en-US" dirty="0">
               <a:solidFill>
@@ -12617,7 +12556,19 @@
             <a:pPr lvl="3"/>
             <a:r>
               <a:rPr lang="en-US" sz="1600" dirty="0" smtClean="0"/>
-              <a:t>Filter the reduced flight data ; join with the filtered weather data</a:t>
+              <a:t>Filter the reduced flight </a:t>
+            </a:r>
+            <a:r>
+              <a:rPr lang="en-US" sz="1600" dirty="0" smtClean="0"/>
+              <a:t>table; </a:t>
+            </a:r>
+            <a:r>
+              <a:rPr lang="en-US" sz="1600" dirty="0" smtClean="0"/>
+              <a:t>join with the filtered weather </a:t>
+            </a:r>
+            <a:r>
+              <a:rPr lang="en-US" sz="1600" dirty="0" smtClean="0"/>
+              <a:t>table</a:t>
             </a:r>
             <a:endParaRPr lang="en-US" dirty="0">
               <a:solidFill>
@@ -13075,143 +13026,6 @@
             <p:ph type="title"/>
           </p:nvPr>
         </p:nvSpPr>
-        <p:spPr/>
-        <p:txBody>
-          <a:bodyPr/>
-          <a:lstStyle/>
-          <a:p>
-            <a:r>
-              <a:rPr lang="en-US" dirty="0" smtClean="0"/>
-              <a:t>Future Directions</a:t>
-            </a:r>
-            <a:endParaRPr lang="en-US" dirty="0"/>
-          </a:p>
-        </p:txBody>
-      </p:sp>
-      <p:sp>
-        <p:nvSpPr>
-          <p:cNvPr id="3" name="Content Placeholder 2"/>
-          <p:cNvSpPr>
-            <a:spLocks noGrp="1"/>
-          </p:cNvSpPr>
-          <p:nvPr>
-            <p:ph idx="1"/>
-          </p:nvPr>
-        </p:nvSpPr>
-        <p:spPr/>
-        <p:txBody>
-          <a:bodyPr>
-            <a:normAutofit fontScale="85000" lnSpcReduction="20000"/>
-          </a:bodyPr>
-          <a:lstStyle/>
-          <a:p>
-            <a:r>
-              <a:rPr lang="en-US" dirty="0" smtClean="0"/>
-              <a:t>Develop more efficient algorithm to take maximum advantage of the algebraic properties </a:t>
-            </a:r>
-          </a:p>
-          <a:p>
-            <a:endParaRPr lang="en-US" dirty="0" smtClean="0"/>
-          </a:p>
-          <a:p>
-            <a:r>
-              <a:rPr lang="en-US" dirty="0" smtClean="0"/>
-              <a:t>Investigate other properties of SBs to further optimize multiple queries</a:t>
-            </a:r>
-          </a:p>
-          <a:p>
-            <a:endParaRPr lang="en-US" dirty="0" smtClean="0"/>
-          </a:p>
-          <a:p>
-            <a:r>
-              <a:rPr lang="en-US" dirty="0" smtClean="0"/>
-              <a:t>Go beyond monotone aggregate conditions e.g., condition based on entropy</a:t>
-            </a:r>
-          </a:p>
-          <a:p>
-            <a:endParaRPr lang="en-US" dirty="0"/>
-          </a:p>
-          <a:p>
-            <a:r>
-              <a:rPr lang="en-US" dirty="0" smtClean="0"/>
-              <a:t>Apply the optimization techniques to border ranges of problem e.g., association rule discovery/ other statistical methods</a:t>
-            </a:r>
-          </a:p>
-          <a:p>
-            <a:endParaRPr lang="en-US" dirty="0" smtClean="0"/>
-          </a:p>
-        </p:txBody>
-      </p:sp>
-      <p:sp>
-        <p:nvSpPr>
-          <p:cNvPr id="4" name="Slide Number Placeholder 3"/>
-          <p:cNvSpPr>
-            <a:spLocks noGrp="1"/>
-          </p:cNvSpPr>
-          <p:nvPr>
-            <p:ph type="sldNum" sz="quarter" idx="12"/>
-          </p:nvPr>
-        </p:nvSpPr>
-        <p:spPr/>
-        <p:txBody>
-          <a:bodyPr/>
-          <a:lstStyle/>
-          <a:p>
-            <a:fld id="{957239CD-2F0E-0D4D-84EB-78B480075DD5}" type="slidenum">
-              <a:rPr lang="en-US" smtClean="0"/>
-              <a:t>14</a:t>
-            </a:fld>
-            <a:endParaRPr lang="en-US"/>
-          </a:p>
-        </p:txBody>
-      </p:sp>
-    </p:spTree>
-    <p:extLst>
-      <p:ext uri="{BB962C8B-B14F-4D97-AF65-F5344CB8AC3E}">
-        <p14:creationId xmlns:p14="http://schemas.microsoft.com/office/powerpoint/2010/main" val="2098299037"/>
-      </p:ext>
-    </p:extLst>
-  </p:cSld>
-  <p:clrMapOvr>
-    <a:masterClrMapping/>
-  </p:clrMapOvr>
-  <p:timing>
-    <p:tnLst>
-      <p:par>
-        <p:cTn id="1" dur="indefinite" restart="never" nodeType="tmRoot"/>
-      </p:par>
-    </p:tnLst>
-  </p:timing>
-</p:sld>
-</file>
-
-<file path=ppt/slides/slide15.xml><?xml version="1.0" encoding="utf-8"?>
-<p:sld xmlns:a="http://schemas.openxmlformats.org/drawingml/2006/main" xmlns:r="http://schemas.openxmlformats.org/officeDocument/2006/relationships" xmlns:p="http://schemas.openxmlformats.org/presentationml/2006/main">
-  <p:cSld>
-    <p:spTree>
-      <p:nvGrpSpPr>
-        <p:cNvPr id="1" name=""/>
-        <p:cNvGrpSpPr/>
-        <p:nvPr/>
-      </p:nvGrpSpPr>
-      <p:grpSpPr>
-        <a:xfrm>
-          <a:off x="0" y="0"/>
-          <a:ext cx="0" cy="0"/>
-          <a:chOff x="0" y="0"/>
-          <a:chExt cx="0" cy="0"/>
-        </a:xfrm>
-      </p:grpSpPr>
-      <p:sp>
-        <p:nvSpPr>
-          <p:cNvPr id="2" name="Title 1"/>
-          <p:cNvSpPr>
-            <a:spLocks noGrp="1"/>
-          </p:cNvSpPr>
-          <p:nvPr>
-            <p:ph type="title"/>
-          </p:nvPr>
-        </p:nvSpPr>
         <p:spPr>
           <a:xfrm>
             <a:off x="3143250" y="2690543"/>
@@ -13249,7 +13063,7 @@
           <a:p>
             <a:fld id="{957239CD-2F0E-0D4D-84EB-78B480075DD5}" type="slidenum">
               <a:rPr lang="en-US" smtClean="0"/>
-              <a:t>15</a:t>
+              <a:t>14</a:t>
             </a:fld>
             <a:endParaRPr lang="en-US"/>
           </a:p>

--- a/events/database_day/2016/slides/causality_BD.pptx
+++ b/events/database_day/2016/slides/causality_BD.pptx
@@ -16926,8 +16926,9 @@
             </a:r>
             <a:r>
               <a:rPr lang="en-US" dirty="0" smtClean="0"/>
-              <a:t>)</a:t>
-            </a:r>
+              <a:t>/matching)</a:t>
+            </a:r>
+            <a:endParaRPr lang="en-US" dirty="0" smtClean="0"/>
           </a:p>
         </p:txBody>
       </p:sp>
